--- a/NASA Open Data.pptx
+++ b/NASA Open Data.pptx
@@ -1106,7 +1106,7 @@
               <a:latin typeface="Arial" panose="020B0604020202020204" pitchFamily="34" charset="0"/>
               <a:cs typeface="Arial" panose="020B0604020202020204" pitchFamily="34" charset="0"/>
             </a:rPr>
-            <a:t>Intuitive User Interface</a:t>
+            <a:t>Intuitive User Interface for showing environment data</a:t>
           </a:r>
         </a:p>
         <a:p>
@@ -1287,7 +1287,7 @@
               <a:ea typeface="Helvetica Neue" panose="02000503000000020004" pitchFamily="2" charset="0"/>
               <a:cs typeface="Arial" panose="020B0604020202020204" pitchFamily="34" charset="0"/>
             </a:rPr>
-            <a:t>Detailed Information available</a:t>
+            <a:t>Detailed Environment Information available</a:t>
           </a:r>
         </a:p>
       </dgm:t>
@@ -1418,7 +1418,7 @@
               <a:ea typeface="Helvetica Neue" panose="02000503000000020004" pitchFamily="2" charset="0"/>
               <a:cs typeface="Arial" panose="020B0604020202020204" pitchFamily="34" charset="0"/>
             </a:rPr>
-            <a:t>Users don’t have to navigate much</a:t>
+            <a:t>Detailed recommendations to solve the climate change challenges</a:t>
           </a:r>
         </a:p>
       </dgm:t>
@@ -2495,7 +2495,7 @@
               <a:latin typeface="Arial" panose="020B0604020202020204" pitchFamily="34" charset="0"/>
               <a:cs typeface="Arial" panose="020B0604020202020204" pitchFamily="34" charset="0"/>
             </a:rPr>
-            <a:t>Intuitive User Interface</a:t>
+            <a:t>Intuitive User Interface for showing environment data</a:t>
           </a:r>
         </a:p>
         <a:p>
@@ -2779,7 +2779,7 @@
               <a:ea typeface="Helvetica Neue" panose="02000503000000020004" pitchFamily="2" charset="0"/>
               <a:cs typeface="Arial" panose="020B0604020202020204" pitchFamily="34" charset="0"/>
             </a:rPr>
-            <a:t>Detailed Information available</a:t>
+            <a:t>Detailed Environment Information available</a:t>
           </a:r>
         </a:p>
       </dsp:txBody>
@@ -2872,7 +2872,7 @@
               <a:ea typeface="Helvetica Neue" panose="02000503000000020004" pitchFamily="2" charset="0"/>
               <a:cs typeface="Arial" panose="020B0604020202020204" pitchFamily="34" charset="0"/>
             </a:rPr>
-            <a:t>Users don’t have to navigate much</a:t>
+            <a:t>Detailed recommendations to solve the climate change challenges</a:t>
           </a:r>
         </a:p>
       </dsp:txBody>
@@ -8025,8 +8025,8 @@
         </p:blipFill>
         <p:spPr>
           <a:xfrm>
-            <a:off x="163490" y="297179"/>
-            <a:ext cx="2671150" cy="1245871"/>
+            <a:off x="163490" y="297180"/>
+            <a:ext cx="2671150" cy="785684"/>
           </a:xfrm>
           <a:prstGeom prst="rect">
             <a:avLst/>
@@ -8364,11 +8364,22 @@
             <a:r>
               <a:rPr lang="en-US" sz="1100" b="1" i="1" dirty="0">
                 <a:solidFill>
-                  <a:schemeClr val="tx1"/>
+                  <a:schemeClr val="tx2">
+                    <a:lumMod val="50000"/>
+                  </a:schemeClr>
                 </a:solidFill>
                 <a:latin typeface="Exo 2"/>
               </a:rPr>
-              <a:t>Build an Environment Data platform that uses NASA data and create an app that uses the Environment data platform data. We plan to use the Environment Performance data index from NASA for this.</a:t>
+              <a:t>Problem Statement  </a:t>
+            </a:r>
+            <a:r>
+              <a:rPr lang="en-US" sz="1100" b="1" i="1" dirty="0">
+                <a:solidFill>
+                  <a:schemeClr val="tx1"/>
+                </a:solidFill>
+                <a:latin typeface="Exo 2"/>
+              </a:rPr>
+              <a:t>- Build an Environment Data platform that uses NASA data and create a web app that uses the Environment data platform data. We plan to use the Environment Performance data index from NASA for this project.</a:t>
             </a:r>
             <a:br>
               <a:rPr lang="en-US" sz="1400" dirty="0">
@@ -8410,8 +8421,8 @@
         </p:nvSpPr>
         <p:spPr>
           <a:xfrm>
-            <a:off x="5887437" y="2466140"/>
-            <a:ext cx="6200281" cy="2154436"/>
+            <a:off x="5887439" y="1469041"/>
+            <a:ext cx="6148352" cy="2862322"/>
           </a:xfrm>
           <a:prstGeom prst="rect">
             <a:avLst/>
@@ -8419,9 +8430,7 @@
           <a:noFill/>
           <a:ln>
             <a:solidFill>
-              <a:schemeClr val="bg1">
-                <a:lumMod val="85000"/>
-              </a:schemeClr>
+              <a:schemeClr val="tx2"/>
             </a:solidFill>
           </a:ln>
         </p:spPr>
@@ -8541,6 +8550,23 @@
               <a:defRPr/>
             </a:pPr>
             <a:endParaRPr lang="en-US" sz="1000" dirty="0"/>
+          </a:p>
+          <a:p>
+            <a:pPr marL="171450" indent="-171450" defTabSz="457200" eaLnBrk="0" fontAlgn="base" hangingPunct="0">
+              <a:spcBef>
+                <a:spcPts val="300"/>
+              </a:spcBef>
+              <a:spcAft>
+                <a:spcPts val="300"/>
+              </a:spcAft>
+              <a:buFont typeface="Arial" panose="020B0604020202020204" pitchFamily="34" charset="0"/>
+              <a:buChar char="•"/>
+              <a:defRPr/>
+            </a:pPr>
+            <a:endParaRPr lang="en-US" sz="1200" b="1" dirty="0">
+              <a:latin typeface="Arial" panose="020B0604020202020204" pitchFamily="34" charset="0"/>
+              <a:cs typeface="Arial" panose="020B0604020202020204" pitchFamily="34" charset="0"/>
+            </a:endParaRPr>
           </a:p>
           <a:p>
             <a:pPr marL="171450" indent="-171450" defTabSz="457200" eaLnBrk="0" fontAlgn="base" hangingPunct="0">
@@ -8582,18 +8608,25 @@
               <a:defRPr/>
             </a:pPr>
             <a:r>
+              <a:rPr lang="en-US" sz="1200" dirty="0">
+                <a:latin typeface="Arial" panose="020B0604020202020204" pitchFamily="34" charset="0"/>
+                <a:cs typeface="Arial" panose="020B0604020202020204" pitchFamily="34" charset="0"/>
+              </a:rPr>
+              <a:t>It</a:t>
+            </a:r>
+            <a:r>
               <a:rPr lang="en-US" sz="1200" b="1" dirty="0">
                 <a:latin typeface="Arial" panose="020B0604020202020204" pitchFamily="34" charset="0"/>
                 <a:cs typeface="Arial" panose="020B0604020202020204" pitchFamily="34" charset="0"/>
               </a:rPr>
-              <a:t>Ranks</a:t>
+              <a:t> Ranks</a:t>
             </a:r>
             <a:r>
               <a:rPr lang="en-US" sz="1200" dirty="0">
                 <a:latin typeface="Arial" panose="020B0604020202020204" pitchFamily="34" charset="0"/>
                 <a:cs typeface="Arial" panose="020B0604020202020204" pitchFamily="34" charset="0"/>
               </a:rPr>
-              <a:t> 180 countries on 40 </a:t>
+              <a:t> 180 countries on 40 environment </a:t>
             </a:r>
             <a:r>
               <a:rPr lang="en-US" sz="1200" b="1" dirty="0">
@@ -8620,7 +8653,7 @@
                 <a:latin typeface="Arial" panose="020B0604020202020204" pitchFamily="34" charset="0"/>
                 <a:cs typeface="Arial" panose="020B0604020202020204" pitchFamily="34" charset="0"/>
               </a:rPr>
-              <a:t>Ensures that there is </a:t>
+              <a:t>It ensures that there is </a:t>
             </a:r>
             <a:r>
               <a:rPr lang="en-US" sz="1200" b="1" dirty="0">
@@ -8654,21 +8687,7 @@
                 <a:latin typeface="Arial" panose="020B0604020202020204" pitchFamily="34" charset="0"/>
                 <a:cs typeface="Arial" panose="020B0604020202020204" pitchFamily="34" charset="0"/>
               </a:rPr>
-              <a:t>Detailed </a:t>
-            </a:r>
-            <a:r>
-              <a:rPr lang="en-US" sz="1200" b="1" dirty="0">
-                <a:latin typeface="Arial" panose="020B0604020202020204" pitchFamily="34" charset="0"/>
-                <a:cs typeface="Arial" panose="020B0604020202020204" pitchFamily="34" charset="0"/>
-              </a:rPr>
-              <a:t>EPI</a:t>
-            </a:r>
-            <a:r>
-              <a:rPr lang="en-US" sz="1200" dirty="0">
-                <a:latin typeface="Arial" panose="020B0604020202020204" pitchFamily="34" charset="0"/>
-                <a:cs typeface="Arial" panose="020B0604020202020204" pitchFamily="34" charset="0"/>
-              </a:rPr>
-              <a:t> performance indicators ensures that there is traction at each level</a:t>
+              <a:t>Detailed performance indicators ensures that there is traction at each level</a:t>
             </a:r>
           </a:p>
           <a:p>
@@ -8703,6 +8722,40 @@
                 <a:cs typeface="Arial" panose="020B0604020202020204" pitchFamily="34" charset="0"/>
               </a:rPr>
               <a:t>environment policy</a:t>
+            </a:r>
+          </a:p>
+          <a:p>
+            <a:pPr marL="171450" indent="-171450" defTabSz="457200" eaLnBrk="0" fontAlgn="base" hangingPunct="0">
+              <a:spcBef>
+                <a:spcPts val="300"/>
+              </a:spcBef>
+              <a:spcAft>
+                <a:spcPts val="300"/>
+              </a:spcAft>
+              <a:buFont typeface="Arial" panose="020B0604020202020204" pitchFamily="34" charset="0"/>
+              <a:buChar char="•"/>
+              <a:defRPr/>
+            </a:pPr>
+            <a:r>
+              <a:rPr lang="en-US" sz="1200" dirty="0">
+                <a:latin typeface="Arial" panose="020B0604020202020204" pitchFamily="34" charset="0"/>
+                <a:cs typeface="Arial" panose="020B0604020202020204" pitchFamily="34" charset="0"/>
+              </a:rPr>
+              <a:t>Detailed information available at </a:t>
+            </a:r>
+            <a:r>
+              <a:rPr lang="en-US" sz="1200" b="1" dirty="0">
+                <a:latin typeface="Arial" panose="020B0604020202020204" pitchFamily="34" charset="0"/>
+                <a:cs typeface="Arial" panose="020B0604020202020204" pitchFamily="34" charset="0"/>
+              </a:rPr>
+              <a:t>state, county and city level </a:t>
+            </a:r>
+            <a:r>
+              <a:rPr lang="en-US" sz="1200" dirty="0">
+                <a:latin typeface="Arial" panose="020B0604020202020204" pitchFamily="34" charset="0"/>
+                <a:cs typeface="Arial" panose="020B0604020202020204" pitchFamily="34" charset="0"/>
+              </a:rPr>
+              <a:t>help curate solutions that are specific for a particular geography and demographic</a:t>
             </a:r>
           </a:p>
           <a:p>
@@ -8875,7 +8928,7 @@
                 <a:ea typeface="ＭＳ Ｐゴシック" pitchFamily="-12" charset="-128"/>
                 <a:cs typeface="Calibri" panose="020F0502020204030204" pitchFamily="34" charset="0"/>
               </a:rPr>
-              <a:t>                         Importance of Environment Performance Index </a:t>
+              <a:t>                  What is Environment Performance Index and why is it important ? </a:t>
             </a:r>
           </a:p>
         </p:txBody>
@@ -9109,7 +9162,7 @@
                 <a:latin typeface="Arial" panose="020B0604020202020204" pitchFamily="34" charset="0"/>
                 <a:cs typeface="Arial" panose="020B0604020202020204" pitchFamily="34" charset="0"/>
               </a:rPr>
-              <a:t>Objectives</a:t>
+              <a:t>Problem Statement &amp; Objectives</a:t>
             </a:r>
           </a:p>
         </p:txBody>
@@ -9732,7 +9785,7 @@
                 <a:latin typeface="Arial" panose="020B0604020202020204" pitchFamily="34" charset="0"/>
                 <a:cs typeface="Arial" panose="020B0604020202020204" pitchFamily="34" charset="0"/>
               </a:rPr>
-              <a:t>NASA Data in the form of CSV file gets loaded into Azure Data Lake</a:t>
+              <a:t>NASA Data in the form of CSV file gets loaded into Azure Data Lake.</a:t>
             </a:r>
           </a:p>
           <a:p>
@@ -9775,7 +9828,7 @@
                 <a:latin typeface="Arial" panose="020B0604020202020204" pitchFamily="34" charset="0"/>
                 <a:cs typeface="Arial" panose="020B0604020202020204" pitchFamily="34" charset="0"/>
               </a:rPr>
-              <a:t>Azure Logic Data Apps checks the availability of the file and triggers the Data Pipeline</a:t>
+              <a:t>Azure Logic Data Apps checks the availability of the file and triggers the Azure Data Pipeline.</a:t>
             </a:r>
           </a:p>
           <a:p>
@@ -9818,7 +9871,7 @@
                 <a:latin typeface="Arial" panose="020B0604020202020204" pitchFamily="34" charset="0"/>
                 <a:cs typeface="Arial" panose="020B0604020202020204" pitchFamily="34" charset="0"/>
               </a:rPr>
-              <a:t>Azure Data Pipeline Transforms the Data into JSON </a:t>
+              <a:t>Azure Data Pipeline Transforms the Data into JSON. </a:t>
             </a:r>
           </a:p>
           <a:p>
@@ -9861,7 +9914,7 @@
                 <a:latin typeface="Arial" panose="020B0604020202020204" pitchFamily="34" charset="0"/>
                 <a:cs typeface="Arial" panose="020B0604020202020204" pitchFamily="34" charset="0"/>
               </a:rPr>
-              <a:t>Azure Data Factory outputs the data and stores into Azure Data Lake as JSON</a:t>
+              <a:t>Azure Data Factory outputs the data and stores into Azure Data Lake as JSON.</a:t>
             </a:r>
           </a:p>
           <a:p>
@@ -9904,7 +9957,7 @@
                 <a:latin typeface="Arial" panose="020B0604020202020204" pitchFamily="34" charset="0"/>
                 <a:cs typeface="Arial" panose="020B0604020202020204" pitchFamily="34" charset="0"/>
               </a:rPr>
-              <a:t>Apps can access JSON data as an API and use it</a:t>
+              <a:t>Apps can access JSON data as an API and use it.</a:t>
             </a:r>
           </a:p>
           <a:p>
@@ -10156,7 +10209,7 @@
         <p:spPr>
           <a:xfrm>
             <a:off x="8980414" y="1828285"/>
-            <a:ext cx="2701404" cy="3677930"/>
+            <a:ext cx="2701404" cy="4724370"/>
           </a:xfrm>
           <a:prstGeom prst="rect">
             <a:avLst/>
@@ -10307,7 +10360,7 @@
                 <a:latin typeface="Arial" panose="020B0604020202020204" pitchFamily="34" charset="0"/>
                 <a:cs typeface="Arial" panose="020B0604020202020204" pitchFamily="34" charset="0"/>
               </a:rPr>
-              <a:t>Google Maps based HTML web app shows the Maps data based on the Environment data</a:t>
+              <a:t>Web app shows the Environment Data on Google Maps</a:t>
             </a:r>
           </a:p>
           <a:p>
@@ -10350,7 +10403,7 @@
                 <a:latin typeface="Arial" panose="020B0604020202020204" pitchFamily="34" charset="0"/>
                 <a:cs typeface="Arial" panose="020B0604020202020204" pitchFamily="34" charset="0"/>
               </a:rPr>
-              <a:t>Google Maps app creates environment charts and shows it on the map</a:t>
+              <a:t>Data from the Environment Data Platform gets fed into the web app</a:t>
             </a:r>
           </a:p>
           <a:p>
@@ -10393,7 +10446,7 @@
                 <a:latin typeface="Arial" panose="020B0604020202020204" pitchFamily="34" charset="0"/>
                 <a:cs typeface="Arial" panose="020B0604020202020204" pitchFamily="34" charset="0"/>
               </a:rPr>
-              <a:t>Google Map app uses JSON data from the Azure Data Lake API</a:t>
+              <a:t>Google Maps app creates environment based charts and shows it on the map</a:t>
             </a:r>
           </a:p>
           <a:p>
@@ -10436,8 +10489,91 @@
                 <a:latin typeface="Arial" panose="020B0604020202020204" pitchFamily="34" charset="0"/>
                 <a:cs typeface="Arial" panose="020B0604020202020204" pitchFamily="34" charset="0"/>
               </a:rPr>
-              <a:t>Detailed Country wise data is shown to the users</a:t>
+              <a:t>Google Map app uses JSON data from the Azure Data Lake API</a:t>
             </a:r>
+          </a:p>
+          <a:p>
+            <a:pPr marL="171450" indent="-171450" defTabSz="457200" eaLnBrk="0" fontAlgn="base" hangingPunct="0">
+              <a:spcBef>
+                <a:spcPts val="300"/>
+              </a:spcBef>
+              <a:spcAft>
+                <a:spcPts val="300"/>
+              </a:spcAft>
+              <a:buFont typeface="Arial" panose="020B0604020202020204" pitchFamily="34" charset="0"/>
+              <a:buChar char="•"/>
+              <a:defRPr/>
+            </a:pPr>
+            <a:endParaRPr lang="en-US" sz="1200" dirty="0">
+              <a:solidFill>
+                <a:schemeClr val="bg1"/>
+              </a:solidFill>
+              <a:latin typeface="Arial" panose="020B0604020202020204" pitchFamily="34" charset="0"/>
+              <a:cs typeface="Arial" panose="020B0604020202020204" pitchFamily="34" charset="0"/>
+            </a:endParaRPr>
+          </a:p>
+          <a:p>
+            <a:pPr marL="171450" indent="-171450" defTabSz="457200" eaLnBrk="0" fontAlgn="base" hangingPunct="0">
+              <a:spcBef>
+                <a:spcPts val="300"/>
+              </a:spcBef>
+              <a:spcAft>
+                <a:spcPts val="300"/>
+              </a:spcAft>
+              <a:buFont typeface="Arial" panose="020B0604020202020204" pitchFamily="34" charset="0"/>
+              <a:buChar char="•"/>
+              <a:defRPr/>
+            </a:pPr>
+            <a:r>
+              <a:rPr lang="en-US" sz="1200" dirty="0">
+                <a:solidFill>
+                  <a:schemeClr val="bg1"/>
+                </a:solidFill>
+                <a:latin typeface="Arial" panose="020B0604020202020204" pitchFamily="34" charset="0"/>
+                <a:cs typeface="Arial" panose="020B0604020202020204" pitchFamily="34" charset="0"/>
+              </a:rPr>
+              <a:t>This data can then be used to draw inferences on climate data</a:t>
+            </a:r>
+          </a:p>
+          <a:p>
+            <a:pPr marL="171450" indent="-171450" defTabSz="457200" eaLnBrk="0" fontAlgn="base" hangingPunct="0">
+              <a:spcBef>
+                <a:spcPts val="300"/>
+              </a:spcBef>
+              <a:spcAft>
+                <a:spcPts val="300"/>
+              </a:spcAft>
+              <a:buFont typeface="Arial" panose="020B0604020202020204" pitchFamily="34" charset="0"/>
+              <a:buChar char="•"/>
+              <a:defRPr/>
+            </a:pPr>
+            <a:endParaRPr lang="en-US" sz="1200" dirty="0">
+              <a:solidFill>
+                <a:schemeClr val="bg1"/>
+              </a:solidFill>
+              <a:latin typeface="Arial" panose="020B0604020202020204" pitchFamily="34" charset="0"/>
+              <a:cs typeface="Arial" panose="020B0604020202020204" pitchFamily="34" charset="0"/>
+            </a:endParaRPr>
+          </a:p>
+          <a:p>
+            <a:pPr marL="171450" indent="-171450" defTabSz="457200" eaLnBrk="0" fontAlgn="base" hangingPunct="0">
+              <a:spcBef>
+                <a:spcPts val="300"/>
+              </a:spcBef>
+              <a:spcAft>
+                <a:spcPts val="300"/>
+              </a:spcAft>
+              <a:buFont typeface="Arial" panose="020B0604020202020204" pitchFamily="34" charset="0"/>
+              <a:buChar char="•"/>
+              <a:defRPr/>
+            </a:pPr>
+            <a:endParaRPr lang="en-US" sz="1200" dirty="0">
+              <a:solidFill>
+                <a:schemeClr val="bg1"/>
+              </a:solidFill>
+              <a:latin typeface="Arial" panose="020B0604020202020204" pitchFamily="34" charset="0"/>
+              <a:cs typeface="Arial" panose="020B0604020202020204" pitchFamily="34" charset="0"/>
+            </a:endParaRPr>
           </a:p>
           <a:p>
             <a:pPr marL="171450" indent="-171450" defTabSz="457200" eaLnBrk="0" fontAlgn="base" hangingPunct="0">
@@ -11825,7 +11961,7 @@
             <p:nvPr>
               <p:extLst>
                 <p:ext uri="{D42A27DB-BD31-4B8C-83A1-F6EECF244321}">
-                  <p14:modId xmlns:p14="http://schemas.microsoft.com/office/powerpoint/2010/main" val="2893840784"/>
+                  <p14:modId xmlns:p14="http://schemas.microsoft.com/office/powerpoint/2010/main" val="619096598"/>
                 </p:ext>
               </p:extLst>
             </p:nvPr>
@@ -12221,8 +12357,8 @@
         </p:nvSpPr>
         <p:spPr>
           <a:xfrm>
-            <a:off x="383516" y="153928"/>
-            <a:ext cx="11516407" cy="369332"/>
+            <a:off x="171450" y="153928"/>
+            <a:ext cx="11728473" cy="369332"/>
           </a:xfrm>
           <a:prstGeom prst="rect">
             <a:avLst/>
@@ -12623,7 +12759,7 @@
                   <a:schemeClr val="tx1"/>
                 </a:solidFill>
               </a:rPr>
-              <a:t>Key EPI Indictors after clicking the Pins on the Map</a:t>
+              <a:t>Key EPI Indictors shown after clicking the Pins on the Map</a:t>
             </a:r>
             <a:br>
               <a:rPr lang="en-US" sz="1400" dirty="0">
@@ -12816,7 +12952,7 @@
                   <a:schemeClr val="tx1"/>
                 </a:solidFill>
               </a:rPr>
-              <a:t>Heatmap of Air Quality Index in the US</a:t>
+              <a:t>Heatmap of Air Quality Index in the US after clicking on “Air Quality” index</a:t>
             </a:r>
             <a:br>
               <a:rPr lang="en-US" sz="1200" b="1" dirty="0">
@@ -12932,8 +13068,8 @@
         </p:nvSpPr>
         <p:spPr>
           <a:xfrm>
-            <a:off x="2644435" y="1215002"/>
-            <a:ext cx="7578088" cy="1523494"/>
+            <a:off x="2310328" y="1826520"/>
+            <a:ext cx="7894611" cy="1738938"/>
           </a:xfrm>
           <a:prstGeom prst="rect">
             <a:avLst/>
@@ -13081,14 +13217,27 @@
                 <a:latin typeface="Arial" panose="020B0604020202020204" pitchFamily="34" charset="0"/>
                 <a:cs typeface="Arial" panose="020B0604020202020204" pitchFamily="34" charset="0"/>
               </a:rPr>
-              <a:t>Keep </a:t>
+              <a:t>Expand the Environment Data Platform and add additional information on it.</a:t>
             </a:r>
+          </a:p>
+          <a:p>
+            <a:pPr marL="171450" indent="-171450" defTabSz="457200" eaLnBrk="0" fontAlgn="base" hangingPunct="0">
+              <a:spcBef>
+                <a:spcPts val="300"/>
+              </a:spcBef>
+              <a:spcAft>
+                <a:spcPts val="300"/>
+              </a:spcAft>
+              <a:buFont typeface="Arial" panose="020B0604020202020204" pitchFamily="34" charset="0"/>
+              <a:buChar char="•"/>
+              <a:defRPr/>
+            </a:pPr>
             <a:r>
               <a:rPr lang="en-US" sz="1200" dirty="0">
                 <a:latin typeface="Arial" panose="020B0604020202020204" pitchFamily="34" charset="0"/>
                 <a:cs typeface="Arial" panose="020B0604020202020204" pitchFamily="34" charset="0"/>
               </a:rPr>
-              <a:t>building the platform and make a unified platform that all users can use</a:t>
+              <a:t>Make this platform as Unified Platform that common people can use and get environment and climate change information from</a:t>
             </a:r>
           </a:p>
           <a:p>
@@ -13108,14 +13257,7 @@
                 <a:latin typeface="Arial" panose="020B0604020202020204" pitchFamily="34" charset="0"/>
                 <a:cs typeface="Arial" panose="020B0604020202020204" pitchFamily="34" charset="0"/>
               </a:rPr>
-              <a:t>Make </a:t>
-            </a:r>
-            <a:r>
-              <a:rPr lang="en-US" sz="1200" dirty="0">
-                <a:latin typeface="Arial" panose="020B0604020202020204" pitchFamily="34" charset="0"/>
-                <a:cs typeface="Arial" panose="020B0604020202020204" pitchFamily="34" charset="0"/>
-              </a:rPr>
-              <a:t>it easily available so that people can build apps on it</a:t>
+              <a:t>Build Maps for additional environment parameters</a:t>
             </a:r>
           </a:p>
           <a:p>
@@ -13135,22 +13277,26 @@
                 <a:latin typeface="Arial" panose="020B0604020202020204" pitchFamily="34" charset="0"/>
                 <a:cs typeface="Arial" panose="020B0604020202020204" pitchFamily="34" charset="0"/>
               </a:rPr>
-              <a:t>Build further maps on key </a:t>
+              <a:t>Make the Environment Platform </a:t>
             </a:r>
             <a:r>
               <a:rPr lang="en-US" sz="1200" b="1" dirty="0">
                 <a:latin typeface="Arial" panose="020B0604020202020204" pitchFamily="34" charset="0"/>
                 <a:cs typeface="Arial" panose="020B0604020202020204" pitchFamily="34" charset="0"/>
               </a:rPr>
-              <a:t>Environment Performance</a:t>
+              <a:t>API's</a:t>
             </a:r>
             <a:r>
               <a:rPr lang="en-US" sz="1200" dirty="0">
                 <a:latin typeface="Arial" panose="020B0604020202020204" pitchFamily="34" charset="0"/>
                 <a:cs typeface="Arial" panose="020B0604020202020204" pitchFamily="34" charset="0"/>
               </a:rPr>
-              <a:t> indicators</a:t>
+              <a:t> accessible for developers to use</a:t>
             </a:r>
+            <a:endParaRPr lang="en-US" sz="1200" b="1" dirty="0">
+              <a:latin typeface="Arial" panose="020B0604020202020204" pitchFamily="34" charset="0"/>
+              <a:cs typeface="Arial" panose="020B0604020202020204" pitchFamily="34" charset="0"/>
+            </a:endParaRPr>
           </a:p>
           <a:p>
             <a:pPr marL="171450" indent="-171450" defTabSz="457200" eaLnBrk="0" fontAlgn="base" hangingPunct="0">
@@ -13169,7 +13315,7 @@
                 <a:latin typeface="Arial" panose="020B0604020202020204" pitchFamily="34" charset="0"/>
                 <a:cs typeface="Arial" panose="020B0604020202020204" pitchFamily="34" charset="0"/>
               </a:rPr>
-              <a:t>Integrate the </a:t>
+              <a:t>Integrate a </a:t>
             </a:r>
             <a:r>
               <a:rPr lang="en-US" sz="1200" b="1" dirty="0">
@@ -13183,21 +13329,8 @@
                 <a:latin typeface="Arial" panose="020B0604020202020204" pitchFamily="34" charset="0"/>
                 <a:cs typeface="Arial" panose="020B0604020202020204" pitchFamily="34" charset="0"/>
               </a:rPr>
-              <a:t> feature on what users can do to solve the climate change challenges</a:t>
+              <a:t> feature to provide information to users to solve climate change issues</a:t>
             </a:r>
-          </a:p>
-          <a:p>
-            <a:pPr marL="171450" indent="-171450" defTabSz="457200" eaLnBrk="0" fontAlgn="base" hangingPunct="0">
-              <a:spcBef>
-                <a:spcPts val="300"/>
-              </a:spcBef>
-              <a:spcAft>
-                <a:spcPts val="300"/>
-              </a:spcAft>
-              <a:buFont typeface="Arial" panose="020B0604020202020204" pitchFamily="34" charset="0"/>
-              <a:buChar char="•"/>
-              <a:defRPr/>
-            </a:pPr>
             <a:endParaRPr lang="en-US" sz="1000" dirty="0">
               <a:solidFill>
                 <a:srgbClr val="122E51"/>
@@ -13221,8 +13354,8 @@
         </p:nvSpPr>
         <p:spPr bwMode="auto">
           <a:xfrm>
-            <a:off x="2644435" y="875169"/>
-            <a:ext cx="7578088" cy="360159"/>
+            <a:off x="2310328" y="1495660"/>
+            <a:ext cx="7894610" cy="360159"/>
           </a:xfrm>
           <a:prstGeom prst="rect">
             <a:avLst/>
@@ -13356,393 +13489,68 @@
                 <a:ea typeface="ＭＳ Ｐゴシック" pitchFamily="-12" charset="-128"/>
                 <a:cs typeface="Calibri" panose="020F0502020204030204" pitchFamily="34" charset="0"/>
               </a:rPr>
-              <a:t>                                                                          Next Steps</a:t>
+              <a:t>                                                                          Keep Building the Platform and spread the word</a:t>
             </a:r>
           </a:p>
         </p:txBody>
       </p:sp>
       <p:sp>
         <p:nvSpPr>
-          <p:cNvPr id="15" name="TextBox 1">
+          <p:cNvPr id="17" name="Title 1">
             <a:extLst>
               <a:ext uri="{FF2B5EF4-FFF2-40B4-BE49-F238E27FC236}">
-                <a16:creationId xmlns:a16="http://schemas.microsoft.com/office/drawing/2014/main" id="{EFBDB4F1-3375-51E6-8BB3-0ECA4E00BD67}"/>
+                <a16:creationId xmlns:a16="http://schemas.microsoft.com/office/drawing/2014/main" id="{2BB96BE7-2E32-1DC9-567E-9A0DE831FC65}"/>
               </a:ext>
             </a:extLst>
           </p:cNvPr>
-          <p:cNvSpPr txBox="1"/>
+          <p:cNvSpPr>
+            <a:spLocks noGrp="1"/>
+          </p:cNvSpPr>
           <p:nvPr/>
         </p:nvSpPr>
         <p:spPr>
           <a:xfrm>
-            <a:off x="2644435" y="3283439"/>
-            <a:ext cx="7578088" cy="1369606"/>
+            <a:off x="463527" y="279939"/>
+            <a:ext cx="11728473" cy="369332"/>
           </a:xfrm>
           <a:prstGeom prst="rect">
             <a:avLst/>
           </a:prstGeom>
-          <a:noFill/>
-          <a:ln>
-            <a:solidFill>
-              <a:schemeClr val="bg1">
-                <a:lumMod val="85000"/>
-              </a:schemeClr>
-            </a:solidFill>
-          </a:ln>
         </p:spPr>
         <p:txBody>
-          <a:bodyPr wrap="square">
-            <a:spAutoFit/>
+          <a:bodyPr vert="horz" wrap="square" lIns="0" tIns="0" rIns="0" bIns="0" rtlCol="0" anchor="t">
+            <a:noAutofit/>
           </a:bodyPr>
           <a:lstStyle>
-            <a:defPPr>
-              <a:defRPr lang="en-US"/>
-            </a:defPPr>
-            <a:lvl1pPr marL="0" algn="l" defTabSz="914400" rtl="0" eaLnBrk="1" latinLnBrk="0" hangingPunct="1">
-              <a:defRPr sz="1800" kern="1200">
-                <a:solidFill>
-                  <a:schemeClr val="tx1"/>
-                </a:solidFill>
-                <a:latin typeface="+mn-lt"/>
-                <a:ea typeface="+mn-ea"/>
-                <a:cs typeface="+mn-cs"/>
-              </a:defRPr>
-            </a:lvl1pPr>
-            <a:lvl2pPr marL="457200" algn="l" defTabSz="914400" rtl="0" eaLnBrk="1" latinLnBrk="0" hangingPunct="1">
-              <a:defRPr sz="1800" kern="1200">
-                <a:solidFill>
-                  <a:schemeClr val="tx1"/>
-                </a:solidFill>
-                <a:latin typeface="+mn-lt"/>
-                <a:ea typeface="+mn-ea"/>
-                <a:cs typeface="+mn-cs"/>
-              </a:defRPr>
-            </a:lvl2pPr>
-            <a:lvl3pPr marL="914400" algn="l" defTabSz="914400" rtl="0" eaLnBrk="1" latinLnBrk="0" hangingPunct="1">
-              <a:defRPr sz="1800" kern="1200">
-                <a:solidFill>
-                  <a:schemeClr val="tx1"/>
-                </a:solidFill>
-                <a:latin typeface="+mn-lt"/>
-                <a:ea typeface="+mn-ea"/>
-                <a:cs typeface="+mn-cs"/>
-              </a:defRPr>
-            </a:lvl3pPr>
-            <a:lvl4pPr marL="1371600" algn="l" defTabSz="914400" rtl="0" eaLnBrk="1" latinLnBrk="0" hangingPunct="1">
-              <a:defRPr sz="1800" kern="1200">
-                <a:solidFill>
-                  <a:schemeClr val="tx1"/>
-                </a:solidFill>
-                <a:latin typeface="+mn-lt"/>
-                <a:ea typeface="+mn-ea"/>
-                <a:cs typeface="+mn-cs"/>
-              </a:defRPr>
-            </a:lvl4pPr>
-            <a:lvl5pPr marL="1828800" algn="l" defTabSz="914400" rtl="0" eaLnBrk="1" latinLnBrk="0" hangingPunct="1">
-              <a:defRPr sz="1800" kern="1200">
-                <a:solidFill>
-                  <a:schemeClr val="tx1"/>
-                </a:solidFill>
-                <a:latin typeface="+mn-lt"/>
-                <a:ea typeface="+mn-ea"/>
-                <a:cs typeface="+mn-cs"/>
-              </a:defRPr>
-            </a:lvl5pPr>
-            <a:lvl6pPr marL="2286000" algn="l" defTabSz="914400" rtl="0" eaLnBrk="1" latinLnBrk="0" hangingPunct="1">
-              <a:defRPr sz="1800" kern="1200">
-                <a:solidFill>
-                  <a:schemeClr val="tx1"/>
-                </a:solidFill>
-                <a:latin typeface="+mn-lt"/>
-                <a:ea typeface="+mn-ea"/>
-                <a:cs typeface="+mn-cs"/>
-              </a:defRPr>
-            </a:lvl6pPr>
-            <a:lvl7pPr marL="2743200" algn="l" defTabSz="914400" rtl="0" eaLnBrk="1" latinLnBrk="0" hangingPunct="1">
-              <a:defRPr sz="1800" kern="1200">
-                <a:solidFill>
-                  <a:schemeClr val="tx1"/>
-                </a:solidFill>
-                <a:latin typeface="+mn-lt"/>
-                <a:ea typeface="+mn-ea"/>
-                <a:cs typeface="+mn-cs"/>
-              </a:defRPr>
-            </a:lvl7pPr>
-            <a:lvl8pPr marL="3200400" algn="l" defTabSz="914400" rtl="0" eaLnBrk="1" latinLnBrk="0" hangingPunct="1">
-              <a:defRPr sz="1800" kern="1200">
-                <a:solidFill>
-                  <a:schemeClr val="tx1"/>
-                </a:solidFill>
-                <a:latin typeface="+mn-lt"/>
-                <a:ea typeface="+mn-ea"/>
-                <a:cs typeface="+mn-cs"/>
-              </a:defRPr>
-            </a:lvl8pPr>
-            <a:lvl9pPr marL="3657600" algn="l" defTabSz="914400" rtl="0" eaLnBrk="1" latinLnBrk="0" hangingPunct="1">
-              <a:defRPr sz="1800" kern="1200">
-                <a:solidFill>
-                  <a:schemeClr val="tx1"/>
-                </a:solidFill>
-                <a:latin typeface="+mn-lt"/>
-                <a:ea typeface="+mn-ea"/>
-                <a:cs typeface="+mn-cs"/>
-              </a:defRPr>
-            </a:lvl9pPr>
-          </a:lstStyle>
-          <a:p>
-            <a:pPr marR="0" lvl="0" algn="l" defTabSz="457200" rtl="0" eaLnBrk="0" fontAlgn="base" latinLnBrk="0" hangingPunct="0">
+            <a:lvl1pPr algn="l" defTabSz="699557" rtl="0" eaLnBrk="1" latinLnBrk="0" hangingPunct="1">
               <a:lnSpc>
                 <a:spcPct val="100000"/>
               </a:lnSpc>
               <a:spcBef>
-                <a:spcPts val="300"/>
+                <a:spcPct val="0"/>
               </a:spcBef>
-              <a:spcAft>
-                <a:spcPts val="300"/>
-              </a:spcAft>
-              <a:buClrTx/>
-              <a:buSzTx/>
-              <a:tabLst/>
-              <a:defRPr/>
-            </a:pPr>
-            <a:endParaRPr lang="en-US" sz="1000" dirty="0"/>
-          </a:p>
-          <a:p>
-            <a:pPr marL="171450" indent="-171450" defTabSz="457200" eaLnBrk="0" fontAlgn="base" hangingPunct="0">
-              <a:spcBef>
-                <a:spcPts val="300"/>
-              </a:spcBef>
-              <a:spcAft>
-                <a:spcPts val="300"/>
-              </a:spcAft>
-              <a:buFont typeface="Arial" panose="020B0604020202020204" pitchFamily="34" charset="0"/>
-              <a:buChar char="•"/>
-              <a:defRPr/>
-            </a:pPr>
+              <a:buNone/>
+              <a:defRPr lang="en-US" sz="2700" b="0" kern="1200" cap="none" spc="-38" baseline="0">
+                <a:ln w="3175">
+                  <a:noFill/>
+                </a:ln>
+                <a:solidFill>
+                  <a:srgbClr val="000000"/>
+                </a:solidFill>
+                <a:effectLst/>
+                <a:latin typeface="+mj-lt"/>
+                <a:ea typeface="+mn-ea"/>
+                <a:cs typeface="Segoe UI" pitchFamily="34" charset="0"/>
+              </a:defRPr>
+            </a:lvl1pPr>
+          </a:lstStyle>
+          <a:p>
             <a:r>
-              <a:rPr lang="it-IT" sz="1200" b="1" dirty="0">
+              <a:rPr lang="en-US" sz="2000" b="1" dirty="0">
                 <a:latin typeface="Arial" panose="020B0604020202020204" pitchFamily="34" charset="0"/>
                 <a:cs typeface="Arial" panose="020B0604020202020204" pitchFamily="34" charset="0"/>
               </a:rPr>
-              <a:t>EPI Data - </a:t>
-            </a:r>
-            <a:r>
-              <a:rPr lang="it-IT" sz="1200" dirty="0">
-                <a:latin typeface="Arial" panose="020B0604020202020204" pitchFamily="34" charset="0"/>
-                <a:cs typeface="Arial" panose="020B0604020202020204" pitchFamily="34" charset="0"/>
-                <a:hlinkClick r:id="rId2">
-                  <a:extLst>
-                    <a:ext uri="{A12FA001-AC4F-418D-AE19-62706E023703}">
-                      <ahyp:hlinkClr xmlns:ahyp="http://schemas.microsoft.com/office/drawing/2018/hyperlinkcolor" val="tx"/>
-                    </a:ext>
-                  </a:extLst>
-                </a:hlinkClick>
-              </a:rPr>
-              <a:t>https://www.earthdata.nasa.gov/news/new-environmental-performance-index-epi-available-nasas-sedac</a:t>
-            </a:r>
-            <a:endParaRPr lang="it-IT" sz="1200" dirty="0">
-              <a:latin typeface="Arial" panose="020B0604020202020204" pitchFamily="34" charset="0"/>
-              <a:cs typeface="Arial" panose="020B0604020202020204" pitchFamily="34" charset="0"/>
-            </a:endParaRPr>
-          </a:p>
-          <a:p>
-            <a:pPr marL="171450" indent="-171450" defTabSz="457200" eaLnBrk="0" fontAlgn="base" hangingPunct="0">
-              <a:spcBef>
-                <a:spcPts val="300"/>
-              </a:spcBef>
-              <a:spcAft>
-                <a:spcPts val="300"/>
-              </a:spcAft>
-              <a:buFont typeface="Arial" panose="020B0604020202020204" pitchFamily="34" charset="0"/>
-              <a:buChar char="•"/>
-              <a:defRPr/>
-            </a:pPr>
-            <a:r>
-              <a:rPr lang="en-US" sz="1200" b="1" dirty="0">
-                <a:latin typeface="Arial" panose="020B0604020202020204" pitchFamily="34" charset="0"/>
-                <a:cs typeface="Arial" panose="020B0604020202020204" pitchFamily="34" charset="0"/>
-              </a:rPr>
-              <a:t>NASA Air Quality </a:t>
-            </a:r>
-            <a:r>
-              <a:rPr lang="en-US" sz="1200" dirty="0">
-                <a:latin typeface="Arial" panose="020B0604020202020204" pitchFamily="34" charset="0"/>
-                <a:cs typeface="Arial" panose="020B0604020202020204" pitchFamily="34" charset="0"/>
-              </a:rPr>
-              <a:t>- https://www.earthdata.nasa.gov/learn/find-data/near-real-time/hazards-and-disasters/air-quality</a:t>
-            </a:r>
-          </a:p>
-          <a:p>
-            <a:pPr marL="171450" indent="-171450" defTabSz="457200" eaLnBrk="0" fontAlgn="base" hangingPunct="0">
-              <a:spcBef>
-                <a:spcPts val="300"/>
-              </a:spcBef>
-              <a:spcAft>
-                <a:spcPts val="300"/>
-              </a:spcAft>
-              <a:buFont typeface="Arial" panose="020B0604020202020204" pitchFamily="34" charset="0"/>
-              <a:buChar char="•"/>
-              <a:defRPr/>
-            </a:pPr>
-            <a:endParaRPr lang="en-US" sz="1000" dirty="0">
-              <a:solidFill>
-                <a:srgbClr val="122E51"/>
-              </a:solidFill>
-              <a:latin typeface="public_sans"/>
-            </a:endParaRPr>
-          </a:p>
-        </p:txBody>
-      </p:sp>
-      <p:sp>
-        <p:nvSpPr>
-          <p:cNvPr id="16" name="Rectangle 15">
-            <a:extLst>
-              <a:ext uri="{FF2B5EF4-FFF2-40B4-BE49-F238E27FC236}">
-                <a16:creationId xmlns:a16="http://schemas.microsoft.com/office/drawing/2014/main" id="{6BC1D909-8234-FEE5-1B2F-9F7E9A801D95}"/>
-              </a:ext>
-            </a:extLst>
-          </p:cNvPr>
-          <p:cNvSpPr/>
-          <p:nvPr/>
-        </p:nvSpPr>
-        <p:spPr bwMode="auto">
-          <a:xfrm>
-            <a:off x="2644435" y="3103360"/>
-            <a:ext cx="7578088" cy="360159"/>
-          </a:xfrm>
-          <a:prstGeom prst="rect">
-            <a:avLst/>
-          </a:prstGeom>
-          <a:solidFill>
-            <a:schemeClr val="accent1">
-              <a:lumMod val="50000"/>
-            </a:schemeClr>
-          </a:solidFill>
-          <a:ln w="9525" cap="flat" cmpd="sng" algn="ctr">
-            <a:noFill/>
-            <a:prstDash val="solid"/>
-          </a:ln>
-          <a:effectLst/>
-        </p:spPr>
-        <p:txBody>
-          <a:bodyPr rtlCol="0" anchor="ctr"/>
-          <a:lstStyle>
-            <a:defPPr>
-              <a:defRPr lang="en-US"/>
-            </a:defPPr>
-            <a:lvl1pPr marL="0" algn="l" defTabSz="914400" rtl="0" eaLnBrk="1" latinLnBrk="0" hangingPunct="1">
-              <a:defRPr sz="1800" kern="1200">
-                <a:solidFill>
-                  <a:schemeClr val="tx1"/>
-                </a:solidFill>
-                <a:latin typeface="+mn-lt"/>
-                <a:ea typeface="+mn-ea"/>
-                <a:cs typeface="+mn-cs"/>
-              </a:defRPr>
-            </a:lvl1pPr>
-            <a:lvl2pPr marL="457200" algn="l" defTabSz="914400" rtl="0" eaLnBrk="1" latinLnBrk="0" hangingPunct="1">
-              <a:defRPr sz="1800" kern="1200">
-                <a:solidFill>
-                  <a:schemeClr val="tx1"/>
-                </a:solidFill>
-                <a:latin typeface="+mn-lt"/>
-                <a:ea typeface="+mn-ea"/>
-                <a:cs typeface="+mn-cs"/>
-              </a:defRPr>
-            </a:lvl2pPr>
-            <a:lvl3pPr marL="914400" algn="l" defTabSz="914400" rtl="0" eaLnBrk="1" latinLnBrk="0" hangingPunct="1">
-              <a:defRPr sz="1800" kern="1200">
-                <a:solidFill>
-                  <a:schemeClr val="tx1"/>
-                </a:solidFill>
-                <a:latin typeface="+mn-lt"/>
-                <a:ea typeface="+mn-ea"/>
-                <a:cs typeface="+mn-cs"/>
-              </a:defRPr>
-            </a:lvl3pPr>
-            <a:lvl4pPr marL="1371600" algn="l" defTabSz="914400" rtl="0" eaLnBrk="1" latinLnBrk="0" hangingPunct="1">
-              <a:defRPr sz="1800" kern="1200">
-                <a:solidFill>
-                  <a:schemeClr val="tx1"/>
-                </a:solidFill>
-                <a:latin typeface="+mn-lt"/>
-                <a:ea typeface="+mn-ea"/>
-                <a:cs typeface="+mn-cs"/>
-              </a:defRPr>
-            </a:lvl4pPr>
-            <a:lvl5pPr marL="1828800" algn="l" defTabSz="914400" rtl="0" eaLnBrk="1" latinLnBrk="0" hangingPunct="1">
-              <a:defRPr sz="1800" kern="1200">
-                <a:solidFill>
-                  <a:schemeClr val="tx1"/>
-                </a:solidFill>
-                <a:latin typeface="+mn-lt"/>
-                <a:ea typeface="+mn-ea"/>
-                <a:cs typeface="+mn-cs"/>
-              </a:defRPr>
-            </a:lvl5pPr>
-            <a:lvl6pPr marL="2286000" algn="l" defTabSz="914400" rtl="0" eaLnBrk="1" latinLnBrk="0" hangingPunct="1">
-              <a:defRPr sz="1800" kern="1200">
-                <a:solidFill>
-                  <a:schemeClr val="tx1"/>
-                </a:solidFill>
-                <a:latin typeface="+mn-lt"/>
-                <a:ea typeface="+mn-ea"/>
-                <a:cs typeface="+mn-cs"/>
-              </a:defRPr>
-            </a:lvl6pPr>
-            <a:lvl7pPr marL="2743200" algn="l" defTabSz="914400" rtl="0" eaLnBrk="1" latinLnBrk="0" hangingPunct="1">
-              <a:defRPr sz="1800" kern="1200">
-                <a:solidFill>
-                  <a:schemeClr val="tx1"/>
-                </a:solidFill>
-                <a:latin typeface="+mn-lt"/>
-                <a:ea typeface="+mn-ea"/>
-                <a:cs typeface="+mn-cs"/>
-              </a:defRPr>
-            </a:lvl7pPr>
-            <a:lvl8pPr marL="3200400" algn="l" defTabSz="914400" rtl="0" eaLnBrk="1" latinLnBrk="0" hangingPunct="1">
-              <a:defRPr sz="1800" kern="1200">
-                <a:solidFill>
-                  <a:schemeClr val="tx1"/>
-                </a:solidFill>
-                <a:latin typeface="+mn-lt"/>
-                <a:ea typeface="+mn-ea"/>
-                <a:cs typeface="+mn-cs"/>
-              </a:defRPr>
-            </a:lvl8pPr>
-            <a:lvl9pPr marL="3657600" algn="l" defTabSz="914400" rtl="0" eaLnBrk="1" latinLnBrk="0" hangingPunct="1">
-              <a:defRPr sz="1800" kern="1200">
-                <a:solidFill>
-                  <a:schemeClr val="tx1"/>
-                </a:solidFill>
-                <a:latin typeface="+mn-lt"/>
-                <a:ea typeface="+mn-ea"/>
-                <a:cs typeface="+mn-cs"/>
-              </a:defRPr>
-            </a:lvl9pPr>
-          </a:lstStyle>
-          <a:p>
-            <a:pPr indent="-431785" defTabSz="457200" eaLnBrk="0" fontAlgn="base" hangingPunct="0">
-              <a:spcBef>
-                <a:spcPct val="0"/>
-              </a:spcBef>
-              <a:spcAft>
-                <a:spcPts val="600"/>
-              </a:spcAft>
-              <a:tabLst>
-                <a:tab pos="341313" algn="l"/>
-              </a:tabLst>
-            </a:pPr>
-            <a:r>
-              <a:rPr lang="en-US" sz="1400" b="1" kern="0" dirty="0">
-                <a:solidFill>
-                  <a:srgbClr val="FFFFFF"/>
-                </a:solidFill>
-                <a:latin typeface="Calibiri"/>
-                <a:ea typeface="ＭＳ Ｐゴシック" pitchFamily="-12" charset="-128"/>
-                <a:cs typeface="Calibri" panose="020F0502020204030204" pitchFamily="34" charset="0"/>
-              </a:rPr>
-              <a:t>                                                                          Key References</a:t>
+              <a:t>Next Steps</a:t>
             </a:r>
           </a:p>
         </p:txBody>
